--- a/Grafik_Sanatı_Nedir.pptx
+++ b/Grafik_Sanatı_Nedir.pptx
@@ -13,11 +13,18 @@
     <p:sldId id="261" r:id="rId7"/>
     <p:sldId id="262" r:id="rId8"/>
     <p:sldId id="263" r:id="rId9"/>
-    <p:sldId id="264" r:id="rId10"/>
-    <p:sldId id="265" r:id="rId11"/>
-    <p:sldId id="266" r:id="rId12"/>
-    <p:sldId id="267" r:id="rId13"/>
-    <p:sldId id="268" r:id="rId14"/>
+    <p:sldId id="269" r:id="rId10"/>
+    <p:sldId id="270" r:id="rId11"/>
+    <p:sldId id="271" r:id="rId12"/>
+    <p:sldId id="272" r:id="rId13"/>
+    <p:sldId id="273" r:id="rId14"/>
+    <p:sldId id="274" r:id="rId15"/>
+    <p:sldId id="275" r:id="rId16"/>
+    <p:sldId id="264" r:id="rId17"/>
+    <p:sldId id="265" r:id="rId18"/>
+    <p:sldId id="266" r:id="rId19"/>
+    <p:sldId id="267" r:id="rId20"/>
+    <p:sldId id="268" r:id="rId21"/>
   </p:sldIdLst>
   <p:sldSz cx="12192000" cy="6858000"/>
   <p:notesSz cx="6858000" cy="9144000"/>
@@ -3412,6 +3419,1065 @@
   <p:cSld>
     <p:spTree>
       <p:nvGrpSpPr>
+        <p:cNvPr id="1" name="">
+          <a:extLst>
+            <a:ext uri="{FF2B5EF4-FFF2-40B4-BE49-F238E27FC236}">
+              <a16:creationId xmlns:a16="http://schemas.microsoft.com/office/drawing/2014/main" id="{C8922021-8524-7613-3B12-00E21FC96A75}"/>
+            </a:ext>
+          </a:extLst>
+        </p:cNvPr>
+        <p:cNvGrpSpPr/>
+        <p:nvPr/>
+      </p:nvGrpSpPr>
+      <p:grpSpPr>
+        <a:xfrm>
+          <a:off x="0" y="0"/>
+          <a:ext cx="0" cy="0"/>
+          <a:chOff x="0" y="0"/>
+          <a:chExt cx="0" cy="0"/>
+        </a:xfrm>
+      </p:grpSpPr>
+      <p:sp>
+        <p:nvSpPr>
+          <p:cNvPr id="2" name="Başlık 1">
+            <a:extLst>
+              <a:ext uri="{FF2B5EF4-FFF2-40B4-BE49-F238E27FC236}">
+                <a16:creationId xmlns:a16="http://schemas.microsoft.com/office/drawing/2014/main" id="{DD123A97-5AA1-65C7-F2EA-D7224CF48402}"/>
+              </a:ext>
+            </a:extLst>
+          </p:cNvPr>
+          <p:cNvSpPr>
+            <a:spLocks noGrp="1"/>
+          </p:cNvSpPr>
+          <p:nvPr>
+            <p:ph type="title"/>
+          </p:nvPr>
+        </p:nvSpPr>
+        <p:spPr>
+          <a:xfrm>
+            <a:off x="838200" y="-253440"/>
+            <a:ext cx="10515600" cy="1325563"/>
+          </a:xfrm>
+        </p:spPr>
+        <p:txBody>
+          <a:bodyPr/>
+          <a:lstStyle/>
+          <a:p>
+            <a:r>
+              <a:rPr lang="tr-TR" b="1" dirty="0"/>
+              <a:t>Web ve Arayüz Tasarımı (UI Design)</a:t>
+            </a:r>
+          </a:p>
+        </p:txBody>
+      </p:sp>
+      <p:sp>
+        <p:nvSpPr>
+          <p:cNvPr id="3" name="İçerik Yer Tutucusu 2">
+            <a:extLst>
+              <a:ext uri="{FF2B5EF4-FFF2-40B4-BE49-F238E27FC236}">
+                <a16:creationId xmlns:a16="http://schemas.microsoft.com/office/drawing/2014/main" id="{1B417182-4BE4-C6EC-649B-8F31EC44F040}"/>
+              </a:ext>
+            </a:extLst>
+          </p:cNvPr>
+          <p:cNvSpPr>
+            <a:spLocks noGrp="1"/>
+          </p:cNvSpPr>
+          <p:nvPr>
+            <p:ph idx="1"/>
+          </p:nvPr>
+        </p:nvSpPr>
+        <p:spPr>
+          <a:xfrm>
+            <a:off x="838200" y="664337"/>
+            <a:ext cx="10515600" cy="4351338"/>
+          </a:xfrm>
+        </p:spPr>
+        <p:txBody>
+          <a:bodyPr/>
+          <a:lstStyle/>
+          <a:p>
+            <a:r>
+              <a:rPr lang="tr-TR" dirty="0"/>
+              <a:t>Web ve arayüz tasarımı, web siteleri ve mobil uygulamaların kullanıcı dostu, estetik ve işlevsel görünmesini sağlar. Renkler, buton yerleşimi ve yazı fontları bu alanda özenle </a:t>
+            </a:r>
+            <a:r>
+              <a:rPr lang="tr-TR" dirty="0" err="1"/>
+              <a:t>seçilir.Jonathan</a:t>
+            </a:r>
+            <a:r>
+              <a:rPr lang="tr-TR" dirty="0"/>
+              <a:t> Lee – Google </a:t>
+            </a:r>
+            <a:r>
+              <a:rPr lang="tr-TR" dirty="0" err="1"/>
+              <a:t>Material</a:t>
+            </a:r>
+            <a:r>
+              <a:rPr lang="tr-TR" dirty="0"/>
+              <a:t> Design ekibinde çalışmış, sade ve kullanıcı dostu arayüzler tasarlamıştır.</a:t>
+            </a:r>
+          </a:p>
+          <a:p>
+            <a:pPr lvl="5"/>
+            <a:r>
+              <a:rPr lang="tr-TR" sz="2800" b="1" dirty="0"/>
+              <a:t>Örnek: </a:t>
+            </a:r>
+            <a:r>
+              <a:rPr lang="tr-TR" sz="2800" dirty="0"/>
+              <a:t>Bir yemek sipariş uygulamasında kullanıcıyı yönlendiren tasarım, siparişi kolaylaştırır.</a:t>
+            </a:r>
+          </a:p>
+        </p:txBody>
+      </p:sp>
+      <p:pic>
+        <p:nvPicPr>
+          <p:cNvPr id="5" name="Resim 4">
+            <a:extLst>
+              <a:ext uri="{FF2B5EF4-FFF2-40B4-BE49-F238E27FC236}">
+                <a16:creationId xmlns:a16="http://schemas.microsoft.com/office/drawing/2014/main" id="{0E5E0BBF-23A2-6EC1-274F-14247004ED56}"/>
+              </a:ext>
+            </a:extLst>
+          </p:cNvPr>
+          <p:cNvPicPr>
+            <a:picLocks noChangeAspect="1"/>
+          </p:cNvPicPr>
+          <p:nvPr/>
+        </p:nvPicPr>
+        <p:blipFill>
+          <a:blip r:embed="rId2">
+            <a:extLst>
+              <a:ext uri="{28A0092B-C50C-407E-A947-70E740481C1C}">
+                <a14:useLocalDpi xmlns:a14="http://schemas.microsoft.com/office/drawing/2010/main" val="0"/>
+              </a:ext>
+            </a:extLst>
+          </a:blip>
+          <a:stretch>
+            <a:fillRect/>
+          </a:stretch>
+        </p:blipFill>
+        <p:spPr>
+          <a:xfrm>
+            <a:off x="838200" y="2643537"/>
+            <a:ext cx="2130938" cy="4214463"/>
+          </a:xfrm>
+          <a:prstGeom prst="rect">
+            <a:avLst/>
+          </a:prstGeom>
+        </p:spPr>
+      </p:pic>
+    </p:spTree>
+    <p:extLst>
+      <p:ext uri="{BB962C8B-B14F-4D97-AF65-F5344CB8AC3E}">
+        <p14:creationId xmlns:p14="http://schemas.microsoft.com/office/powerpoint/2010/main" val="3322339594"/>
+      </p:ext>
+    </p:extLst>
+  </p:cSld>
+  <p:clrMapOvr>
+    <a:masterClrMapping/>
+  </p:clrMapOvr>
+</p:sld>
+</file>
+
+<file path=ppt/slides/slide11.xml><?xml version="1.0" encoding="utf-8"?>
+<p:sld xmlns:a="http://schemas.openxmlformats.org/drawingml/2006/main" xmlns:r="http://schemas.openxmlformats.org/officeDocument/2006/relationships" xmlns:p="http://schemas.openxmlformats.org/presentationml/2006/main">
+  <p:cSld>
+    <p:spTree>
+      <p:nvGrpSpPr>
+        <p:cNvPr id="1" name="">
+          <a:extLst>
+            <a:ext uri="{FF2B5EF4-FFF2-40B4-BE49-F238E27FC236}">
+              <a16:creationId xmlns:a16="http://schemas.microsoft.com/office/drawing/2014/main" id="{6B881E7C-C479-DF2D-CFBF-577BFB04C3BE}"/>
+            </a:ext>
+          </a:extLst>
+        </p:cNvPr>
+        <p:cNvGrpSpPr/>
+        <p:nvPr/>
+      </p:nvGrpSpPr>
+      <p:grpSpPr>
+        <a:xfrm>
+          <a:off x="0" y="0"/>
+          <a:ext cx="0" cy="0"/>
+          <a:chOff x="0" y="0"/>
+          <a:chExt cx="0" cy="0"/>
+        </a:xfrm>
+      </p:grpSpPr>
+      <p:sp>
+        <p:nvSpPr>
+          <p:cNvPr id="2" name="Başlık 1">
+            <a:extLst>
+              <a:ext uri="{FF2B5EF4-FFF2-40B4-BE49-F238E27FC236}">
+                <a16:creationId xmlns:a16="http://schemas.microsoft.com/office/drawing/2014/main" id="{F7395502-7B0A-1770-2659-074BFD9DF380}"/>
+              </a:ext>
+            </a:extLst>
+          </p:cNvPr>
+          <p:cNvSpPr>
+            <a:spLocks noGrp="1"/>
+          </p:cNvSpPr>
+          <p:nvPr>
+            <p:ph type="title"/>
+          </p:nvPr>
+        </p:nvSpPr>
+        <p:spPr/>
+        <p:txBody>
+          <a:bodyPr/>
+          <a:lstStyle/>
+          <a:p>
+            <a:r>
+              <a:rPr lang="tr-TR" b="1" dirty="0"/>
+              <a:t>Animasyon ve Hareketli Grafikler (Motion Graphics)</a:t>
+            </a:r>
+          </a:p>
+        </p:txBody>
+      </p:sp>
+      <p:sp>
+        <p:nvSpPr>
+          <p:cNvPr id="3" name="İçerik Yer Tutucusu 2">
+            <a:extLst>
+              <a:ext uri="{FF2B5EF4-FFF2-40B4-BE49-F238E27FC236}">
+                <a16:creationId xmlns:a16="http://schemas.microsoft.com/office/drawing/2014/main" id="{9DF6784A-DE44-3785-16EF-62E73F06DB55}"/>
+              </a:ext>
+            </a:extLst>
+          </p:cNvPr>
+          <p:cNvSpPr>
+            <a:spLocks noGrp="1"/>
+          </p:cNvSpPr>
+          <p:nvPr>
+            <p:ph idx="1"/>
+          </p:nvPr>
+        </p:nvSpPr>
+        <p:spPr/>
+        <p:txBody>
+          <a:bodyPr/>
+          <a:lstStyle/>
+          <a:p>
+            <a:r>
+              <a:rPr lang="tr-TR" dirty="0"/>
+              <a:t>Animasyon ve hareketli grafikler, grafik öğelerinin hareketlendirilmesiyle videolar, reklamlar ve tanıtımlar hazırlanır. Bu alanda, bilgiyi dinamik bir şekilde sunmak tercih </a:t>
+            </a:r>
+            <a:r>
+              <a:rPr lang="tr-TR" dirty="0" err="1"/>
+              <a:t>edilir.Kyle</a:t>
+            </a:r>
+            <a:r>
+              <a:rPr lang="tr-TR" dirty="0"/>
+              <a:t> Cooper – Film jeneriklerinde devrim yaratan tasarımcı (örneğin Se7en).</a:t>
+            </a:r>
+          </a:p>
+          <a:p>
+            <a:r>
+              <a:rPr lang="tr-TR" b="1" dirty="0"/>
+              <a:t>Örnek: </a:t>
+            </a:r>
+            <a:r>
+              <a:rPr lang="tr-TR" dirty="0"/>
+              <a:t>Bir telefon markasının tanıtım videosunda görülen animasyonlar, bu alana örnektir.</a:t>
+            </a:r>
+          </a:p>
+        </p:txBody>
+      </p:sp>
+    </p:spTree>
+    <p:extLst>
+      <p:ext uri="{BB962C8B-B14F-4D97-AF65-F5344CB8AC3E}">
+        <p14:creationId xmlns:p14="http://schemas.microsoft.com/office/powerpoint/2010/main" val="462744679"/>
+      </p:ext>
+    </p:extLst>
+  </p:cSld>
+  <p:clrMapOvr>
+    <a:masterClrMapping/>
+  </p:clrMapOvr>
+</p:sld>
+</file>
+
+<file path=ppt/slides/slide12.xml><?xml version="1.0" encoding="utf-8"?>
+<p:sld xmlns:a="http://schemas.openxmlformats.org/drawingml/2006/main" xmlns:r="http://schemas.openxmlformats.org/officeDocument/2006/relationships" xmlns:p="http://schemas.openxmlformats.org/presentationml/2006/main">
+  <p:cSld>
+    <p:spTree>
+      <p:nvGrpSpPr>
+        <p:cNvPr id="1" name="">
+          <a:extLst>
+            <a:ext uri="{FF2B5EF4-FFF2-40B4-BE49-F238E27FC236}">
+              <a16:creationId xmlns:a16="http://schemas.microsoft.com/office/drawing/2014/main" id="{2BF56E03-CA43-FAE1-85F6-3E134191A254}"/>
+            </a:ext>
+          </a:extLst>
+        </p:cNvPr>
+        <p:cNvGrpSpPr/>
+        <p:nvPr/>
+      </p:nvGrpSpPr>
+      <p:grpSpPr>
+        <a:xfrm>
+          <a:off x="0" y="0"/>
+          <a:ext cx="0" cy="0"/>
+          <a:chOff x="0" y="0"/>
+          <a:chExt cx="0" cy="0"/>
+        </a:xfrm>
+      </p:grpSpPr>
+      <p:sp>
+        <p:nvSpPr>
+          <p:cNvPr id="2" name="Başlık 1">
+            <a:extLst>
+              <a:ext uri="{FF2B5EF4-FFF2-40B4-BE49-F238E27FC236}">
+                <a16:creationId xmlns:a16="http://schemas.microsoft.com/office/drawing/2014/main" id="{5E207A93-77A6-A5A6-B926-A86F080F037B}"/>
+              </a:ext>
+            </a:extLst>
+          </p:cNvPr>
+          <p:cNvSpPr>
+            <a:spLocks noGrp="1"/>
+          </p:cNvSpPr>
+          <p:nvPr>
+            <p:ph type="title"/>
+          </p:nvPr>
+        </p:nvSpPr>
+        <p:spPr/>
+        <p:txBody>
+          <a:bodyPr/>
+          <a:lstStyle/>
+          <a:p>
+            <a:r>
+              <a:rPr lang="tr-TR" b="1" dirty="0"/>
+              <a:t>Bilgilendirme Grafikleri (İnfografik)</a:t>
+            </a:r>
+          </a:p>
+        </p:txBody>
+      </p:sp>
+      <p:sp>
+        <p:nvSpPr>
+          <p:cNvPr id="3" name="İçerik Yer Tutucusu 2">
+            <a:extLst>
+              <a:ext uri="{FF2B5EF4-FFF2-40B4-BE49-F238E27FC236}">
+                <a16:creationId xmlns:a16="http://schemas.microsoft.com/office/drawing/2014/main" id="{7A734801-B858-6DEF-10C1-D79ED8D867EB}"/>
+              </a:ext>
+            </a:extLst>
+          </p:cNvPr>
+          <p:cNvSpPr>
+            <a:spLocks noGrp="1"/>
+          </p:cNvSpPr>
+          <p:nvPr>
+            <p:ph idx="1"/>
+          </p:nvPr>
+        </p:nvSpPr>
+        <p:spPr/>
+        <p:txBody>
+          <a:bodyPr/>
+          <a:lstStyle/>
+          <a:p>
+            <a:r>
+              <a:rPr lang="tr-TR" dirty="0"/>
+              <a:t>İnfografikler, karmaşık verileri veya bilgileri kolayca anlaşılır bir yapıya dönüştürür. Grafikler, tablolar ve ikonlarla bilgi </a:t>
+            </a:r>
+            <a:r>
+              <a:rPr lang="tr-TR" dirty="0" err="1"/>
+              <a:t>görselleştirilir.Nigel</a:t>
+            </a:r>
+            <a:r>
+              <a:rPr lang="tr-TR" dirty="0"/>
+              <a:t> Holmes – Bilgilendirici ve eğlenceli infografikler ile tanınır.</a:t>
+            </a:r>
+          </a:p>
+          <a:p>
+            <a:r>
+              <a:rPr lang="tr-TR" b="1" dirty="0"/>
+              <a:t>Örnek: </a:t>
+            </a:r>
+            <a:r>
+              <a:rPr lang="tr-TR" dirty="0"/>
+              <a:t>Bir okulda hazırlanan sınav başarı oranı tablosu, infografik biçiminde sunulabilir.</a:t>
+            </a:r>
+          </a:p>
+        </p:txBody>
+      </p:sp>
+      <p:pic>
+        <p:nvPicPr>
+          <p:cNvPr id="5" name="Resim 4">
+            <a:extLst>
+              <a:ext uri="{FF2B5EF4-FFF2-40B4-BE49-F238E27FC236}">
+                <a16:creationId xmlns:a16="http://schemas.microsoft.com/office/drawing/2014/main" id="{E9AB7C97-87B5-75CF-992C-D2F9083BEB77}"/>
+              </a:ext>
+            </a:extLst>
+          </p:cNvPr>
+          <p:cNvPicPr>
+            <a:picLocks noChangeAspect="1"/>
+          </p:cNvPicPr>
+          <p:nvPr/>
+        </p:nvPicPr>
+        <p:blipFill>
+          <a:blip r:embed="rId2">
+            <a:extLst>
+              <a:ext uri="{28A0092B-C50C-407E-A947-70E740481C1C}">
+                <a14:useLocalDpi xmlns:a14="http://schemas.microsoft.com/office/drawing/2010/main" val="0"/>
+              </a:ext>
+            </a:extLst>
+          </a:blip>
+          <a:stretch>
+            <a:fillRect/>
+          </a:stretch>
+        </p:blipFill>
+        <p:spPr>
+          <a:xfrm>
+            <a:off x="4143595" y="3944471"/>
+            <a:ext cx="3904810" cy="2661677"/>
+          </a:xfrm>
+          <a:prstGeom prst="rect">
+            <a:avLst/>
+          </a:prstGeom>
+        </p:spPr>
+      </p:pic>
+    </p:spTree>
+    <p:extLst>
+      <p:ext uri="{BB962C8B-B14F-4D97-AF65-F5344CB8AC3E}">
+        <p14:creationId xmlns:p14="http://schemas.microsoft.com/office/powerpoint/2010/main" val="3547619718"/>
+      </p:ext>
+    </p:extLst>
+  </p:cSld>
+  <p:clrMapOvr>
+    <a:masterClrMapping/>
+  </p:clrMapOvr>
+</p:sld>
+</file>
+
+<file path=ppt/slides/slide13.xml><?xml version="1.0" encoding="utf-8"?>
+<p:sld xmlns:a="http://schemas.openxmlformats.org/drawingml/2006/main" xmlns:r="http://schemas.openxmlformats.org/officeDocument/2006/relationships" xmlns:p="http://schemas.openxmlformats.org/presentationml/2006/main">
+  <p:cSld>
+    <p:spTree>
+      <p:nvGrpSpPr>
+        <p:cNvPr id="1" name="">
+          <a:extLst>
+            <a:ext uri="{FF2B5EF4-FFF2-40B4-BE49-F238E27FC236}">
+              <a16:creationId xmlns:a16="http://schemas.microsoft.com/office/drawing/2014/main" id="{018AB281-8708-31D8-C5AB-35779B773BFE}"/>
+            </a:ext>
+          </a:extLst>
+        </p:cNvPr>
+        <p:cNvGrpSpPr/>
+        <p:nvPr/>
+      </p:nvGrpSpPr>
+      <p:grpSpPr>
+        <a:xfrm>
+          <a:off x="0" y="0"/>
+          <a:ext cx="0" cy="0"/>
+          <a:chOff x="0" y="0"/>
+          <a:chExt cx="0" cy="0"/>
+        </a:xfrm>
+      </p:grpSpPr>
+      <p:sp>
+        <p:nvSpPr>
+          <p:cNvPr id="2" name="Başlık 1">
+            <a:extLst>
+              <a:ext uri="{FF2B5EF4-FFF2-40B4-BE49-F238E27FC236}">
+                <a16:creationId xmlns:a16="http://schemas.microsoft.com/office/drawing/2014/main" id="{C9C61060-35FC-79E8-EEAD-C651F3EC6E2B}"/>
+              </a:ext>
+            </a:extLst>
+          </p:cNvPr>
+          <p:cNvSpPr>
+            <a:spLocks noGrp="1"/>
+          </p:cNvSpPr>
+          <p:nvPr>
+            <p:ph type="title"/>
+          </p:nvPr>
+        </p:nvSpPr>
+        <p:spPr/>
+        <p:txBody>
+          <a:bodyPr/>
+          <a:lstStyle/>
+          <a:p>
+            <a:r>
+              <a:rPr lang="tr-TR" b="1" dirty="0"/>
+              <a:t>Ambalaj Tasarımı</a:t>
+            </a:r>
+          </a:p>
+        </p:txBody>
+      </p:sp>
+      <p:sp>
+        <p:nvSpPr>
+          <p:cNvPr id="3" name="İçerik Yer Tutucusu 2">
+            <a:extLst>
+              <a:ext uri="{FF2B5EF4-FFF2-40B4-BE49-F238E27FC236}">
+                <a16:creationId xmlns:a16="http://schemas.microsoft.com/office/drawing/2014/main" id="{472E0CEC-81C0-86DD-D153-03C7A705A54E}"/>
+              </a:ext>
+            </a:extLst>
+          </p:cNvPr>
+          <p:cNvSpPr>
+            <a:spLocks noGrp="1"/>
+          </p:cNvSpPr>
+          <p:nvPr>
+            <p:ph idx="1"/>
+          </p:nvPr>
+        </p:nvSpPr>
+        <p:spPr/>
+        <p:txBody>
+          <a:bodyPr/>
+          <a:lstStyle/>
+          <a:p>
+            <a:r>
+              <a:rPr lang="tr-TR" dirty="0"/>
+              <a:t>Ambalaj tasarımı, ürünlerin ambalajlarını estetik ve işlevsel hale getirerek tüketiciye sunar. Marka kimliğini ambalajla yansıtmak </a:t>
+            </a:r>
+            <a:r>
+              <a:rPr lang="tr-TR" dirty="0" err="1"/>
+              <a:t>mümkündür.Peter</a:t>
+            </a:r>
+            <a:r>
+              <a:rPr lang="tr-TR" dirty="0"/>
+              <a:t> Schmidt – </a:t>
+            </a:r>
+            <a:r>
+              <a:rPr lang="tr-TR" dirty="0" err="1"/>
+              <a:t>Joop</a:t>
+            </a:r>
+            <a:r>
+              <a:rPr lang="tr-TR" dirty="0"/>
+              <a:t>! ve </a:t>
+            </a:r>
+            <a:r>
+              <a:rPr lang="tr-TR" dirty="0" err="1"/>
+              <a:t>Jil</a:t>
+            </a:r>
+            <a:r>
+              <a:rPr lang="tr-TR" dirty="0"/>
+              <a:t> </a:t>
+            </a:r>
+            <a:r>
+              <a:rPr lang="tr-TR" dirty="0" err="1"/>
+              <a:t>Sander</a:t>
+            </a:r>
+            <a:r>
+              <a:rPr lang="tr-TR" dirty="0"/>
+              <a:t> gibi markalar için ambalaj tasarımları yapmıştır.</a:t>
+            </a:r>
+          </a:p>
+          <a:p>
+            <a:r>
+              <a:rPr lang="tr-TR" b="1" dirty="0"/>
+              <a:t>Örnek:</a:t>
+            </a:r>
+            <a:r>
+              <a:rPr lang="tr-TR" dirty="0"/>
+              <a:t> Çikolata paketinin rengi ve yazı tipi, tüketicinin dikkatini çekebilir.</a:t>
+            </a:r>
+          </a:p>
+        </p:txBody>
+      </p:sp>
+      <p:pic>
+        <p:nvPicPr>
+          <p:cNvPr id="6" name="Resim 5">
+            <a:extLst>
+              <a:ext uri="{FF2B5EF4-FFF2-40B4-BE49-F238E27FC236}">
+                <a16:creationId xmlns:a16="http://schemas.microsoft.com/office/drawing/2014/main" id="{D8036494-B63D-286A-DC74-BC75C00F0AA4}"/>
+              </a:ext>
+            </a:extLst>
+          </p:cNvPr>
+          <p:cNvPicPr>
+            <a:picLocks noChangeAspect="1"/>
+          </p:cNvPicPr>
+          <p:nvPr/>
+        </p:nvPicPr>
+        <p:blipFill>
+          <a:blip r:embed="rId2">
+            <a:extLst>
+              <a:ext uri="{28A0092B-C50C-407E-A947-70E740481C1C}">
+                <a14:useLocalDpi xmlns:a14="http://schemas.microsoft.com/office/drawing/2010/main" val="0"/>
+              </a:ext>
+            </a:extLst>
+          </a:blip>
+          <a:srcRect t="32077" b="30378"/>
+          <a:stretch/>
+        </p:blipFill>
+        <p:spPr>
+          <a:xfrm>
+            <a:off x="3188633" y="4511674"/>
+            <a:ext cx="5276850" cy="1981201"/>
+          </a:xfrm>
+          <a:prstGeom prst="rect">
+            <a:avLst/>
+          </a:prstGeom>
+        </p:spPr>
+      </p:pic>
+    </p:spTree>
+    <p:extLst>
+      <p:ext uri="{BB962C8B-B14F-4D97-AF65-F5344CB8AC3E}">
+        <p14:creationId xmlns:p14="http://schemas.microsoft.com/office/powerpoint/2010/main" val="1424114963"/>
+      </p:ext>
+    </p:extLst>
+  </p:cSld>
+  <p:clrMapOvr>
+    <a:masterClrMapping/>
+  </p:clrMapOvr>
+</p:sld>
+</file>
+
+<file path=ppt/slides/slide14.xml><?xml version="1.0" encoding="utf-8"?>
+<p:sld xmlns:a="http://schemas.openxmlformats.org/drawingml/2006/main" xmlns:r="http://schemas.openxmlformats.org/officeDocument/2006/relationships" xmlns:p="http://schemas.openxmlformats.org/presentationml/2006/main">
+  <p:cSld>
+    <p:spTree>
+      <p:nvGrpSpPr>
+        <p:cNvPr id="1" name="">
+          <a:extLst>
+            <a:ext uri="{FF2B5EF4-FFF2-40B4-BE49-F238E27FC236}">
+              <a16:creationId xmlns:a16="http://schemas.microsoft.com/office/drawing/2014/main" id="{2D102E65-84B1-4FBA-3450-6F45887239E3}"/>
+            </a:ext>
+          </a:extLst>
+        </p:cNvPr>
+        <p:cNvGrpSpPr/>
+        <p:nvPr/>
+      </p:nvGrpSpPr>
+      <p:grpSpPr>
+        <a:xfrm>
+          <a:off x="0" y="0"/>
+          <a:ext cx="0" cy="0"/>
+          <a:chOff x="0" y="0"/>
+          <a:chExt cx="0" cy="0"/>
+        </a:xfrm>
+      </p:grpSpPr>
+      <p:sp>
+        <p:nvSpPr>
+          <p:cNvPr id="2" name="Başlık 1">
+            <a:extLst>
+              <a:ext uri="{FF2B5EF4-FFF2-40B4-BE49-F238E27FC236}">
+                <a16:creationId xmlns:a16="http://schemas.microsoft.com/office/drawing/2014/main" id="{C5689A0B-4192-FCC5-7DCE-1EBB7C69F1AD}"/>
+              </a:ext>
+            </a:extLst>
+          </p:cNvPr>
+          <p:cNvSpPr>
+            <a:spLocks noGrp="1"/>
+          </p:cNvSpPr>
+          <p:nvPr>
+            <p:ph type="title"/>
+          </p:nvPr>
+        </p:nvSpPr>
+        <p:spPr/>
+        <p:txBody>
+          <a:bodyPr/>
+          <a:lstStyle/>
+          <a:p>
+            <a:r>
+              <a:rPr lang="tr-TR" b="1" dirty="0"/>
+              <a:t>Grafik Sanatında Kullanılan Programlar</a:t>
+            </a:r>
+          </a:p>
+        </p:txBody>
+      </p:sp>
+      <p:sp>
+        <p:nvSpPr>
+          <p:cNvPr id="3" name="İçerik Yer Tutucusu 2">
+            <a:extLst>
+              <a:ext uri="{FF2B5EF4-FFF2-40B4-BE49-F238E27FC236}">
+                <a16:creationId xmlns:a16="http://schemas.microsoft.com/office/drawing/2014/main" id="{1072A6CA-644F-0041-6F8B-5AD8AC312BFB}"/>
+              </a:ext>
+            </a:extLst>
+          </p:cNvPr>
+          <p:cNvSpPr>
+            <a:spLocks noGrp="1"/>
+          </p:cNvSpPr>
+          <p:nvPr>
+            <p:ph idx="1"/>
+          </p:nvPr>
+        </p:nvSpPr>
+        <p:spPr/>
+        <p:txBody>
+          <a:bodyPr>
+            <a:normAutofit fontScale="92500" lnSpcReduction="10000"/>
+          </a:bodyPr>
+          <a:lstStyle/>
+          <a:p>
+            <a:pPr marL="0" indent="0">
+              <a:buNone/>
+            </a:pPr>
+            <a:r>
+              <a:rPr lang="tr-TR" dirty="0"/>
+              <a:t>Grafik sanatçılarının en sık kullandığı programlar şunlardır:</a:t>
+            </a:r>
+          </a:p>
+          <a:p>
+            <a:r>
+              <a:rPr lang="tr-TR" b="1" dirty="0"/>
+              <a:t>Adobe Photoshop: </a:t>
+            </a:r>
+            <a:r>
+              <a:rPr lang="tr-TR" dirty="0"/>
+              <a:t>Fotoğraflar ve dijital görseller üzerinde detaylı düzenlemeler yapılır.</a:t>
+            </a:r>
+          </a:p>
+          <a:p>
+            <a:r>
+              <a:rPr lang="tr-TR" b="1" dirty="0"/>
+              <a:t>Adobe </a:t>
+            </a:r>
+            <a:r>
+              <a:rPr lang="tr-TR" b="1" dirty="0" err="1"/>
+              <a:t>Illustrator</a:t>
+            </a:r>
+            <a:r>
+              <a:rPr lang="tr-TR" b="1" dirty="0"/>
+              <a:t>:</a:t>
+            </a:r>
+            <a:r>
+              <a:rPr lang="tr-TR" dirty="0"/>
+              <a:t> Vektörel tabanlı çizimler ve logolar oluşturulur.</a:t>
+            </a:r>
+          </a:p>
+          <a:p>
+            <a:r>
+              <a:rPr lang="tr-TR" b="1" dirty="0"/>
+              <a:t>Adobe </a:t>
+            </a:r>
+            <a:r>
+              <a:rPr lang="tr-TR" b="1" dirty="0" err="1"/>
+              <a:t>InDesign</a:t>
+            </a:r>
+            <a:r>
+              <a:rPr lang="tr-TR" b="1" dirty="0"/>
+              <a:t>: </a:t>
+            </a:r>
+            <a:r>
+              <a:rPr lang="tr-TR" dirty="0"/>
+              <a:t>Kitap ve dergi gibi basılı materyallerin düzenlenmesinde kullanılır.</a:t>
+            </a:r>
+          </a:p>
+          <a:p>
+            <a:r>
+              <a:rPr lang="tr-TR" b="1" dirty="0" err="1"/>
+              <a:t>Canva</a:t>
+            </a:r>
+            <a:r>
+              <a:rPr lang="tr-TR" b="1" dirty="0"/>
+              <a:t>:</a:t>
+            </a:r>
+            <a:r>
+              <a:rPr lang="tr-TR" dirty="0"/>
+              <a:t> Hızlı ve kolay tasarımlar oluşturmak için idealdir.</a:t>
+            </a:r>
+          </a:p>
+          <a:p>
+            <a:r>
+              <a:rPr lang="tr-TR" b="1" dirty="0" err="1"/>
+              <a:t>Figma</a:t>
+            </a:r>
+            <a:r>
+              <a:rPr lang="tr-TR" b="1" dirty="0"/>
+              <a:t>:</a:t>
+            </a:r>
+            <a:r>
+              <a:rPr lang="tr-TR" dirty="0"/>
+              <a:t> Web tasarımı ve uygulama arayüzleri için iş birliği araçları sunar.</a:t>
+            </a:r>
+          </a:p>
+          <a:p>
+            <a:r>
+              <a:rPr lang="tr-TR" b="1" dirty="0"/>
+              <a:t>Örnek:</a:t>
+            </a:r>
+            <a:r>
+              <a:rPr lang="tr-TR" dirty="0"/>
+              <a:t> Bir öğrenci, proje sunumu için </a:t>
+            </a:r>
+            <a:r>
+              <a:rPr lang="tr-TR" dirty="0" err="1"/>
+              <a:t>Canva’da</a:t>
+            </a:r>
+            <a:r>
+              <a:rPr lang="tr-TR" dirty="0"/>
+              <a:t> hızlıca görsel slaytlar hazırlayabilir.</a:t>
+            </a:r>
+          </a:p>
+        </p:txBody>
+      </p:sp>
+    </p:spTree>
+    <p:extLst>
+      <p:ext uri="{BB962C8B-B14F-4D97-AF65-F5344CB8AC3E}">
+        <p14:creationId xmlns:p14="http://schemas.microsoft.com/office/powerpoint/2010/main" val="382343939"/>
+      </p:ext>
+    </p:extLst>
+  </p:cSld>
+  <p:clrMapOvr>
+    <a:masterClrMapping/>
+  </p:clrMapOvr>
+</p:sld>
+</file>
+
+<file path=ppt/slides/slide15.xml><?xml version="1.0" encoding="utf-8"?>
+<p:sld xmlns:a="http://schemas.openxmlformats.org/drawingml/2006/main" xmlns:r="http://schemas.openxmlformats.org/officeDocument/2006/relationships" xmlns:p="http://schemas.openxmlformats.org/presentationml/2006/main">
+  <p:cSld>
+    <p:spTree>
+      <p:nvGrpSpPr>
+        <p:cNvPr id="1" name="">
+          <a:extLst>
+            <a:ext uri="{FF2B5EF4-FFF2-40B4-BE49-F238E27FC236}">
+              <a16:creationId xmlns:a16="http://schemas.microsoft.com/office/drawing/2014/main" id="{BF96236D-121C-4641-2FC1-735CC19CEF12}"/>
+            </a:ext>
+          </a:extLst>
+        </p:cNvPr>
+        <p:cNvGrpSpPr/>
+        <p:nvPr/>
+      </p:nvGrpSpPr>
+      <p:grpSpPr>
+        <a:xfrm>
+          <a:off x="0" y="0"/>
+          <a:ext cx="0" cy="0"/>
+          <a:chOff x="0" y="0"/>
+          <a:chExt cx="0" cy="0"/>
+        </a:xfrm>
+      </p:grpSpPr>
+      <p:sp>
+        <p:nvSpPr>
+          <p:cNvPr id="2" name="Başlık 1">
+            <a:extLst>
+              <a:ext uri="{FF2B5EF4-FFF2-40B4-BE49-F238E27FC236}">
+                <a16:creationId xmlns:a16="http://schemas.microsoft.com/office/drawing/2014/main" id="{7FAE7C51-B7E8-DBB4-C6F3-23F61A694409}"/>
+              </a:ext>
+            </a:extLst>
+          </p:cNvPr>
+          <p:cNvSpPr>
+            <a:spLocks noGrp="1"/>
+          </p:cNvSpPr>
+          <p:nvPr>
+            <p:ph type="title"/>
+          </p:nvPr>
+        </p:nvSpPr>
+        <p:spPr>
+          <a:xfrm>
+            <a:off x="838200" y="15968"/>
+            <a:ext cx="10515600" cy="1325563"/>
+          </a:xfrm>
+        </p:spPr>
+        <p:txBody>
+          <a:bodyPr/>
+          <a:lstStyle/>
+          <a:p>
+            <a:r>
+              <a:rPr lang="tr-TR" b="1" dirty="0"/>
+              <a:t>Grafik Sanatının Kullanım Alanları</a:t>
+            </a:r>
+          </a:p>
+        </p:txBody>
+      </p:sp>
+      <p:sp>
+        <p:nvSpPr>
+          <p:cNvPr id="3" name="İçerik Yer Tutucusu 2">
+            <a:extLst>
+              <a:ext uri="{FF2B5EF4-FFF2-40B4-BE49-F238E27FC236}">
+                <a16:creationId xmlns:a16="http://schemas.microsoft.com/office/drawing/2014/main" id="{D553C85F-346E-A777-4AB6-A5DFC08EA8AA}"/>
+              </a:ext>
+            </a:extLst>
+          </p:cNvPr>
+          <p:cNvSpPr>
+            <a:spLocks noGrp="1"/>
+          </p:cNvSpPr>
+          <p:nvPr>
+            <p:ph idx="1"/>
+          </p:nvPr>
+        </p:nvSpPr>
+        <p:spPr>
+          <a:xfrm>
+            <a:off x="838200" y="1027766"/>
+            <a:ext cx="10515600" cy="4351338"/>
+          </a:xfrm>
+        </p:spPr>
+        <p:txBody>
+          <a:bodyPr/>
+          <a:lstStyle/>
+          <a:p>
+            <a:r>
+              <a:rPr lang="tr-TR" dirty="0"/>
+              <a:t>Grafik sanat, reklamcılık, yayıncılık, sinema, moda, eğitim, oyun sektörü gibi çok çeşitli alanlarda kullanılır. Her sektör, grafik tasarımı kullanarak hedef kitlesine daha etkili bir şekilde ulaşır.</a:t>
+            </a:r>
+          </a:p>
+          <a:p>
+            <a:pPr lvl="8"/>
+            <a:r>
+              <a:rPr lang="tr-TR" sz="2800" b="1" dirty="0"/>
+              <a:t>Örnek: </a:t>
+            </a:r>
+            <a:r>
+              <a:rPr lang="tr-TR" sz="2800" dirty="0"/>
+              <a:t>Bir marketteki indirim broşürü grafik tasarımı sayesinde daha dikkat çekici olur.</a:t>
+            </a:r>
+          </a:p>
+        </p:txBody>
+      </p:sp>
+      <p:pic>
+        <p:nvPicPr>
+          <p:cNvPr id="5" name="Resim 4">
+            <a:extLst>
+              <a:ext uri="{FF2B5EF4-FFF2-40B4-BE49-F238E27FC236}">
+                <a16:creationId xmlns:a16="http://schemas.microsoft.com/office/drawing/2014/main" id="{871A7B9F-765A-1649-E419-E4C956493230}"/>
+              </a:ext>
+            </a:extLst>
+          </p:cNvPr>
+          <p:cNvPicPr>
+            <a:picLocks noChangeAspect="1"/>
+          </p:cNvPicPr>
+          <p:nvPr/>
+        </p:nvPicPr>
+        <p:blipFill>
+          <a:blip r:embed="rId2">
+            <a:extLst>
+              <a:ext uri="{28A0092B-C50C-407E-A947-70E740481C1C}">
+                <a14:useLocalDpi xmlns:a14="http://schemas.microsoft.com/office/drawing/2010/main" val="0"/>
+              </a:ext>
+            </a:extLst>
+          </a:blip>
+          <a:srcRect b="35294"/>
+          <a:stretch/>
+        </p:blipFill>
+        <p:spPr>
+          <a:xfrm>
+            <a:off x="599237" y="2268071"/>
+            <a:ext cx="3857625" cy="4437529"/>
+          </a:xfrm>
+          <a:prstGeom prst="rect">
+            <a:avLst/>
+          </a:prstGeom>
+        </p:spPr>
+      </p:pic>
+    </p:spTree>
+    <p:extLst>
+      <p:ext uri="{BB962C8B-B14F-4D97-AF65-F5344CB8AC3E}">
+        <p14:creationId xmlns:p14="http://schemas.microsoft.com/office/powerpoint/2010/main" val="191970130"/>
+      </p:ext>
+    </p:extLst>
+  </p:cSld>
+  <p:clrMapOvr>
+    <a:masterClrMapping/>
+  </p:clrMapOvr>
+</p:sld>
+</file>
+
+<file path=ppt/slides/slide16.xml><?xml version="1.0" encoding="utf-8"?>
+<p:sld xmlns:a="http://schemas.openxmlformats.org/drawingml/2006/main" xmlns:r="http://schemas.openxmlformats.org/officeDocument/2006/relationships" xmlns:p="http://schemas.openxmlformats.org/presentationml/2006/main">
+  <p:cSld>
+    <p:spTree>
+      <p:nvGrpSpPr>
+        <p:cNvPr id="1" name=""/>
+        <p:cNvGrpSpPr/>
+        <p:nvPr/>
+      </p:nvGrpSpPr>
+      <p:grpSpPr>
+        <a:xfrm>
+          <a:off x="0" y="0"/>
+          <a:ext cx="0" cy="0"/>
+          <a:chOff x="0" y="0"/>
+          <a:chExt cx="0" cy="0"/>
+        </a:xfrm>
+      </p:grpSpPr>
+      <p:sp>
+        <p:nvSpPr>
+          <p:cNvPr id="2" name="Başlık 1">
+            <a:extLst>
+              <a:ext uri="{FF2B5EF4-FFF2-40B4-BE49-F238E27FC236}">
+                <a16:creationId xmlns:a16="http://schemas.microsoft.com/office/drawing/2014/main" id="{DC13E4E9-6B59-8B3E-B735-F1AC84DDBE9F}"/>
+              </a:ext>
+            </a:extLst>
+          </p:cNvPr>
+          <p:cNvSpPr>
+            <a:spLocks noGrp="1"/>
+          </p:cNvSpPr>
+          <p:nvPr>
+            <p:ph type="title"/>
+          </p:nvPr>
+        </p:nvSpPr>
+        <p:spPr/>
+        <p:txBody>
+          <a:bodyPr/>
+          <a:lstStyle/>
+          <a:p>
+            <a:r>
+              <a:rPr lang="tr-TR" b="1" dirty="0"/>
+              <a:t>Grafik Sanatçısı Kimdir?</a:t>
+            </a:r>
+          </a:p>
+        </p:txBody>
+      </p:sp>
+      <p:sp>
+        <p:nvSpPr>
+          <p:cNvPr id="3" name="İçerik Yer Tutucusu 2">
+            <a:extLst>
+              <a:ext uri="{FF2B5EF4-FFF2-40B4-BE49-F238E27FC236}">
+                <a16:creationId xmlns:a16="http://schemas.microsoft.com/office/drawing/2014/main" id="{329D0399-9E04-DB23-44C0-93080000442E}"/>
+              </a:ext>
+            </a:extLst>
+          </p:cNvPr>
+          <p:cNvSpPr>
+            <a:spLocks noGrp="1"/>
+          </p:cNvSpPr>
+          <p:nvPr>
+            <p:ph idx="1"/>
+          </p:nvPr>
+        </p:nvSpPr>
+        <p:spPr/>
+        <p:txBody>
+          <a:bodyPr/>
+          <a:lstStyle/>
+          <a:p>
+            <a:r>
+              <a:rPr lang="tr-TR" dirty="0"/>
+              <a:t>Grafik sanatçısı, mesajları görsel yollarla ileten ve teknik ve sanatsal becerilere sahip kişidir. Tasarım sürecinde hem estetik hem de işlevselliği gözetir.</a:t>
+            </a:r>
+          </a:p>
+          <a:p>
+            <a:endParaRPr lang="tr-TR" dirty="0"/>
+          </a:p>
+          <a:p>
+            <a:r>
+              <a:rPr lang="tr-TR" b="1" dirty="0"/>
+              <a:t>Örnek: </a:t>
+            </a:r>
+            <a:r>
+              <a:rPr lang="tr-TR" dirty="0"/>
+              <a:t>Bir dergi kapağını tasarlayan kişi, grafik sanatçısıdır.</a:t>
+            </a:r>
+          </a:p>
+          <a:p>
+            <a:r>
+              <a:rPr lang="tr-TR" dirty="0"/>
+              <a:t>Rob </a:t>
+            </a:r>
+            <a:r>
+              <a:rPr lang="tr-TR" dirty="0" err="1"/>
+              <a:t>Janoff</a:t>
+            </a:r>
+            <a:endParaRPr lang="tr-TR" dirty="0"/>
+          </a:p>
+          <a:p>
+            <a:r>
+              <a:rPr lang="tr-TR" dirty="0"/>
+              <a:t>Michael </a:t>
+            </a:r>
+            <a:r>
+              <a:rPr lang="tr-TR" dirty="0" err="1"/>
+              <a:t>Bierut</a:t>
+            </a:r>
+            <a:endParaRPr lang="tr-TR" dirty="0"/>
+          </a:p>
+          <a:p>
+            <a:r>
+              <a:rPr lang="tr-TR" dirty="0"/>
+              <a:t>Massimo </a:t>
+            </a:r>
+            <a:r>
+              <a:rPr lang="tr-TR" dirty="0" err="1"/>
+              <a:t>Vignelli</a:t>
+            </a:r>
+            <a:endParaRPr lang="tr-TR" dirty="0"/>
+          </a:p>
+        </p:txBody>
+      </p:sp>
+    </p:spTree>
+    <p:extLst>
+      <p:ext uri="{BB962C8B-B14F-4D97-AF65-F5344CB8AC3E}">
+        <p14:creationId xmlns:p14="http://schemas.microsoft.com/office/powerpoint/2010/main" val="3172653021"/>
+      </p:ext>
+    </p:extLst>
+  </p:cSld>
+  <p:clrMapOvr>
+    <a:masterClrMapping/>
+  </p:clrMapOvr>
+</p:sld>
+</file>
+
+<file path=ppt/slides/slide17.xml><?xml version="1.0" encoding="utf-8"?>
+<p:sld xmlns:a="http://schemas.openxmlformats.org/drawingml/2006/main" xmlns:r="http://schemas.openxmlformats.org/officeDocument/2006/relationships" xmlns:p="http://schemas.openxmlformats.org/presentationml/2006/main">
+  <p:cSld>
+    <p:spTree>
+      <p:nvGrpSpPr>
         <p:cNvPr id="1" name=""/>
         <p:cNvGrpSpPr/>
         <p:nvPr/>
@@ -3549,7 +4615,7 @@
 </p:sld>
 </file>
 
-<file path=ppt/slides/slide11.xml><?xml version="1.0" encoding="utf-8"?>
+<file path=ppt/slides/slide18.xml><?xml version="1.0" encoding="utf-8"?>
 <p:sld xmlns:a="http://schemas.openxmlformats.org/drawingml/2006/main" xmlns:r="http://schemas.openxmlformats.org/officeDocument/2006/relationships" xmlns:p="http://schemas.openxmlformats.org/presentationml/2006/main">
   <p:cSld>
     <p:spTree>
@@ -3686,7 +4752,7 @@
 </p:sld>
 </file>
 
-<file path=ppt/slides/slide12.xml><?xml version="1.0" encoding="utf-8"?>
+<file path=ppt/slides/slide19.xml><?xml version="1.0" encoding="utf-8"?>
 <p:sld xmlns:a="http://schemas.openxmlformats.org/drawingml/2006/main" xmlns:r="http://schemas.openxmlformats.org/officeDocument/2006/relationships" xmlns:p="http://schemas.openxmlformats.org/presentationml/2006/main">
   <p:cSld>
     <p:spTree>
@@ -3830,119 +4896,6 @@
 </p:sld>
 </file>
 
-<file path=ppt/slides/slide13.xml><?xml version="1.0" encoding="utf-8"?>
-<p:sld xmlns:a="http://schemas.openxmlformats.org/drawingml/2006/main" xmlns:r="http://schemas.openxmlformats.org/officeDocument/2006/relationships" xmlns:p="http://schemas.openxmlformats.org/presentationml/2006/main">
-  <p:cSld>
-    <p:spTree>
-      <p:nvGrpSpPr>
-        <p:cNvPr id="1" name=""/>
-        <p:cNvGrpSpPr/>
-        <p:nvPr/>
-      </p:nvGrpSpPr>
-      <p:grpSpPr>
-        <a:xfrm>
-          <a:off x="0" y="0"/>
-          <a:ext cx="0" cy="0"/>
-          <a:chOff x="0" y="0"/>
-          <a:chExt cx="0" cy="0"/>
-        </a:xfrm>
-      </p:grpSpPr>
-      <p:sp>
-        <p:nvSpPr>
-          <p:cNvPr id="8" name="Başlık 1">
-            <a:extLst>
-              <a:ext uri="{FF2B5EF4-FFF2-40B4-BE49-F238E27FC236}">
-                <a16:creationId xmlns:a16="http://schemas.microsoft.com/office/drawing/2014/main" id="{48C2F87F-D0AF-EAE5-2631-FA3BA145DDBE}"/>
-              </a:ext>
-            </a:extLst>
-          </p:cNvPr>
-          <p:cNvSpPr>
-            <a:spLocks noGrp="1"/>
-          </p:cNvSpPr>
-          <p:nvPr>
-            <p:ph type="title"/>
-          </p:nvPr>
-        </p:nvSpPr>
-        <p:spPr>
-          <a:xfrm>
-            <a:off x="457200" y="274637"/>
-            <a:ext cx="8343900" cy="1196923"/>
-          </a:xfrm>
-        </p:spPr>
-        <p:txBody>
-          <a:bodyPr>
-            <a:normAutofit/>
-          </a:bodyPr>
-          <a:lstStyle/>
-          <a:p>
-            <a:pPr algn="l"/>
-            <a:r>
-              <a:rPr lang="tr-TR" sz="3200" b="1" dirty="0"/>
-              <a:t>Telif Hakkı ve Kullanım İzinleri:</a:t>
-            </a:r>
-          </a:p>
-        </p:txBody>
-      </p:sp>
-      <p:sp>
-        <p:nvSpPr>
-          <p:cNvPr id="9" name="İçerik Yer Tutucusu 2">
-            <a:extLst>
-              <a:ext uri="{FF2B5EF4-FFF2-40B4-BE49-F238E27FC236}">
-                <a16:creationId xmlns:a16="http://schemas.microsoft.com/office/drawing/2014/main" id="{9D9ED3E0-9813-2553-3D23-7F4D7D5C302B}"/>
-              </a:ext>
-            </a:extLst>
-          </p:cNvPr>
-          <p:cNvSpPr>
-            <a:spLocks noGrp="1"/>
-          </p:cNvSpPr>
-          <p:nvPr>
-            <p:ph idx="1"/>
-          </p:nvPr>
-        </p:nvSpPr>
-        <p:spPr>
-          <a:xfrm>
-            <a:off x="457200" y="1166018"/>
-            <a:ext cx="8343900" cy="4739482"/>
-          </a:xfrm>
-        </p:spPr>
-        <p:txBody>
-          <a:bodyPr>
-            <a:normAutofit/>
-          </a:bodyPr>
-          <a:lstStyle/>
-          <a:p>
-            <a:r>
-              <a:rPr lang="tr-TR" sz="1800" dirty="0"/>
-              <a:t>Bu sunumda kullanılan tüm görseller, markalar, logolar ve diğer içerikler yalnızca örnek amaçlıdır. Görsellerin telif hakları, ilgili sahiplerine aittir. Sunumda kullanılan görsellerin ticari amaçla kullanılması, çoğaltılması veya dağıtılması yasal ihlallere neden olabilir. Lütfen, bu görselleri yalnızca eğitim ve öğretim amacıyla, kişisel kullanımda sınırlı olarak kullanınız.</a:t>
-            </a:r>
-          </a:p>
-          <a:p>
-            <a:endParaRPr lang="tr-TR" sz="1800" dirty="0"/>
-          </a:p>
-          <a:p>
-            <a:r>
-              <a:rPr lang="tr-TR" sz="1800" dirty="0"/>
-              <a:t>Herhangi bir görseli veya içeriği kullanmadan önce, telif hakkı sahiplerinden izin almanız gerektiğini unutmayın. Aksi takdirde, telif hakları ihlaliyle karşılaşabilirsiniz. Yasal sorumluluklardan kaçınmak için tüm telif haklarına saygı gösteriniz.</a:t>
-            </a:r>
-          </a:p>
-          <a:p>
-            <a:endParaRPr lang="tr-TR" sz="1800" dirty="0"/>
-          </a:p>
-        </p:txBody>
-      </p:sp>
-    </p:spTree>
-    <p:extLst>
-      <p:ext uri="{BB962C8B-B14F-4D97-AF65-F5344CB8AC3E}">
-        <p14:creationId xmlns:p14="http://schemas.microsoft.com/office/powerpoint/2010/main" val="2300368887"/>
-      </p:ext>
-    </p:extLst>
-  </p:cSld>
-  <p:clrMapOvr>
-    <a:masterClrMapping/>
-  </p:clrMapOvr>
-</p:sld>
-</file>
-
 <file path=ppt/slides/slide2.xml><?xml version="1.0" encoding="utf-8"?>
 <p:sld xmlns:a="http://schemas.openxmlformats.org/drawingml/2006/main" xmlns:r="http://schemas.openxmlformats.org/officeDocument/2006/relationships" xmlns:p="http://schemas.openxmlformats.org/presentationml/2006/main">
   <p:cSld>
@@ -4048,6 +5001,119 @@
     <p:extLst>
       <p:ext uri="{BB962C8B-B14F-4D97-AF65-F5344CB8AC3E}">
         <p14:creationId xmlns:p14="http://schemas.microsoft.com/office/powerpoint/2010/main" val="2520700564"/>
+      </p:ext>
+    </p:extLst>
+  </p:cSld>
+  <p:clrMapOvr>
+    <a:masterClrMapping/>
+  </p:clrMapOvr>
+</p:sld>
+</file>
+
+<file path=ppt/slides/slide20.xml><?xml version="1.0" encoding="utf-8"?>
+<p:sld xmlns:a="http://schemas.openxmlformats.org/drawingml/2006/main" xmlns:r="http://schemas.openxmlformats.org/officeDocument/2006/relationships" xmlns:p="http://schemas.openxmlformats.org/presentationml/2006/main">
+  <p:cSld>
+    <p:spTree>
+      <p:nvGrpSpPr>
+        <p:cNvPr id="1" name=""/>
+        <p:cNvGrpSpPr/>
+        <p:nvPr/>
+      </p:nvGrpSpPr>
+      <p:grpSpPr>
+        <a:xfrm>
+          <a:off x="0" y="0"/>
+          <a:ext cx="0" cy="0"/>
+          <a:chOff x="0" y="0"/>
+          <a:chExt cx="0" cy="0"/>
+        </a:xfrm>
+      </p:grpSpPr>
+      <p:sp>
+        <p:nvSpPr>
+          <p:cNvPr id="8" name="Başlık 1">
+            <a:extLst>
+              <a:ext uri="{FF2B5EF4-FFF2-40B4-BE49-F238E27FC236}">
+                <a16:creationId xmlns:a16="http://schemas.microsoft.com/office/drawing/2014/main" id="{48C2F87F-D0AF-EAE5-2631-FA3BA145DDBE}"/>
+              </a:ext>
+            </a:extLst>
+          </p:cNvPr>
+          <p:cNvSpPr>
+            <a:spLocks noGrp="1"/>
+          </p:cNvSpPr>
+          <p:nvPr>
+            <p:ph type="title"/>
+          </p:nvPr>
+        </p:nvSpPr>
+        <p:spPr>
+          <a:xfrm>
+            <a:off x="457200" y="274637"/>
+            <a:ext cx="8343900" cy="1196923"/>
+          </a:xfrm>
+        </p:spPr>
+        <p:txBody>
+          <a:bodyPr>
+            <a:normAutofit/>
+          </a:bodyPr>
+          <a:lstStyle/>
+          <a:p>
+            <a:pPr algn="l"/>
+            <a:r>
+              <a:rPr lang="tr-TR" sz="3200" b="1" dirty="0"/>
+              <a:t>Telif Hakkı ve Kullanım İzinleri:</a:t>
+            </a:r>
+          </a:p>
+        </p:txBody>
+      </p:sp>
+      <p:sp>
+        <p:nvSpPr>
+          <p:cNvPr id="9" name="İçerik Yer Tutucusu 2">
+            <a:extLst>
+              <a:ext uri="{FF2B5EF4-FFF2-40B4-BE49-F238E27FC236}">
+                <a16:creationId xmlns:a16="http://schemas.microsoft.com/office/drawing/2014/main" id="{9D9ED3E0-9813-2553-3D23-7F4D7D5C302B}"/>
+              </a:ext>
+            </a:extLst>
+          </p:cNvPr>
+          <p:cNvSpPr>
+            <a:spLocks noGrp="1"/>
+          </p:cNvSpPr>
+          <p:nvPr>
+            <p:ph idx="1"/>
+          </p:nvPr>
+        </p:nvSpPr>
+        <p:spPr>
+          <a:xfrm>
+            <a:off x="457200" y="1166018"/>
+            <a:ext cx="8343900" cy="4739482"/>
+          </a:xfrm>
+        </p:spPr>
+        <p:txBody>
+          <a:bodyPr>
+            <a:normAutofit/>
+          </a:bodyPr>
+          <a:lstStyle/>
+          <a:p>
+            <a:r>
+              <a:rPr lang="tr-TR" sz="1800" dirty="0"/>
+              <a:t>Bu sunumda kullanılan tüm görseller, markalar, logolar ve diğer içerikler yalnızca örnek amaçlıdır. Görsellerin telif hakları, ilgili sahiplerine aittir. Sunumda kullanılan görsellerin ticari amaçla kullanılması, çoğaltılması veya dağıtılması yasal ihlallere neden olabilir. Lütfen, bu görselleri yalnızca eğitim ve öğretim amacıyla, kişisel kullanımda sınırlı olarak kullanınız.</a:t>
+            </a:r>
+          </a:p>
+          <a:p>
+            <a:endParaRPr lang="tr-TR" sz="1800" dirty="0"/>
+          </a:p>
+          <a:p>
+            <a:r>
+              <a:rPr lang="tr-TR" sz="1800" dirty="0"/>
+              <a:t>Herhangi bir görseli veya içeriği kullanmadan önce, telif hakkı sahiplerinden izin almanız gerektiğini unutmayın. Aksi takdirde, telif hakları ihlaliyle karşılaşabilirsiniz. Yasal sorumluluklardan kaçınmak için tüm telif haklarına saygı gösteriniz.</a:t>
+            </a:r>
+          </a:p>
+          <a:p>
+            <a:endParaRPr lang="tr-TR" sz="1800" dirty="0"/>
+          </a:p>
+        </p:txBody>
+      </p:sp>
+    </p:spTree>
+    <p:extLst>
+      <p:ext uri="{BB962C8B-B14F-4D97-AF65-F5344CB8AC3E}">
+        <p14:creationId xmlns:p14="http://schemas.microsoft.com/office/powerpoint/2010/main" val="2300368887"/>
       </p:ext>
     </p:extLst>
   </p:cSld>
@@ -4893,7 +5959,13 @@
   <p:cSld>
     <p:spTree>
       <p:nvGrpSpPr>
-        <p:cNvPr id="1" name=""/>
+        <p:cNvPr id="1" name="">
+          <a:extLst>
+            <a:ext uri="{FF2B5EF4-FFF2-40B4-BE49-F238E27FC236}">
+              <a16:creationId xmlns:a16="http://schemas.microsoft.com/office/drawing/2014/main" id="{BC245D3E-9011-098C-99DB-A85350F60E82}"/>
+            </a:ext>
+          </a:extLst>
+        </p:cNvPr>
         <p:cNvGrpSpPr/>
         <p:nvPr/>
       </p:nvGrpSpPr>
@@ -4910,7 +5982,7 @@
           <p:cNvPr id="2" name="Başlık 1">
             <a:extLst>
               <a:ext uri="{FF2B5EF4-FFF2-40B4-BE49-F238E27FC236}">
-                <a16:creationId xmlns:a16="http://schemas.microsoft.com/office/drawing/2014/main" id="{DC13E4E9-6B59-8B3E-B735-F1AC84DDBE9F}"/>
+                <a16:creationId xmlns:a16="http://schemas.microsoft.com/office/drawing/2014/main" id="{1A02C5D6-FC80-4445-46A2-1D50C9CEB1AC}"/>
               </a:ext>
             </a:extLst>
           </p:cNvPr>
@@ -4928,7 +6000,7 @@
           <a:p>
             <a:r>
               <a:rPr lang="tr-TR" b="1" dirty="0"/>
-              <a:t>Grafik Sanatçısı Kimdir?</a:t>
+              <a:t>Logo ve Kurumsal Kimlik Tasarımı</a:t>
             </a:r>
           </a:p>
         </p:txBody>
@@ -4938,7 +6010,7 @@
           <p:cNvPr id="3" name="İçerik Yer Tutucusu 2">
             <a:extLst>
               <a:ext uri="{FF2B5EF4-FFF2-40B4-BE49-F238E27FC236}">
-                <a16:creationId xmlns:a16="http://schemas.microsoft.com/office/drawing/2014/main" id="{329D0399-9E04-DB23-44C0-93080000442E}"/>
+                <a16:creationId xmlns:a16="http://schemas.microsoft.com/office/drawing/2014/main" id="{469741AD-8476-D843-230B-BF02F0719483}"/>
               </a:ext>
             </a:extLst>
           </p:cNvPr>
@@ -4956,11 +6028,24 @@
           <a:p>
             <a:r>
               <a:rPr lang="tr-TR" dirty="0"/>
-              <a:t>Grafik sanatçısı, mesajları görsel yollarla ileten ve teknik ve sanatsal becerilere sahip kişidir. Tasarım sürecinde hem estetik hem de işlevselliği gözetir.</a:t>
-            </a:r>
-          </a:p>
-          <a:p>
-            <a:endParaRPr lang="tr-TR" dirty="0"/>
+              <a:t>Bir marka veya kurumun görsel kimliğini oluşturan tasarımlar bütünüdür. Logolar, sadelik ve akılda kalıcılık açısından </a:t>
+            </a:r>
+            <a:r>
+              <a:rPr lang="tr-TR" dirty="0" err="1"/>
+              <a:t>önemlidir.Terry</a:t>
+            </a:r>
+            <a:r>
+              <a:rPr lang="tr-TR" dirty="0"/>
+              <a:t> </a:t>
+            </a:r>
+            <a:r>
+              <a:rPr lang="tr-TR" dirty="0" err="1"/>
+              <a:t>Heckler</a:t>
+            </a:r>
+            <a:r>
+              <a:rPr lang="tr-TR" dirty="0"/>
+              <a:t>-Starbucks logosunun tasarımcısıdır.</a:t>
+            </a:r>
           </a:p>
           <a:p>
             <a:r>
@@ -4969,48 +6054,51 @@
             </a:r>
             <a:r>
               <a:rPr lang="tr-TR" dirty="0"/>
-              <a:t>Bir dergi kapağını tasarlayan kişi, grafik sanatçısıdır.</a:t>
-            </a:r>
-          </a:p>
-          <a:p>
-            <a:r>
-              <a:rPr lang="tr-TR" dirty="0"/>
-              <a:t>Rob </a:t>
-            </a:r>
-            <a:r>
-              <a:rPr lang="tr-TR" dirty="0" err="1"/>
-              <a:t>Janoff</a:t>
-            </a:r>
-            <a:endParaRPr lang="tr-TR" dirty="0"/>
-          </a:p>
-          <a:p>
-            <a:r>
-              <a:rPr lang="tr-TR" dirty="0"/>
-              <a:t>Michael </a:t>
-            </a:r>
-            <a:r>
-              <a:rPr lang="tr-TR" dirty="0" err="1"/>
-              <a:t>Bierut</a:t>
-            </a:r>
-            <a:endParaRPr lang="tr-TR" dirty="0"/>
-          </a:p>
-          <a:p>
-            <a:r>
-              <a:rPr lang="tr-TR" dirty="0"/>
-              <a:t>Massimo </a:t>
-            </a:r>
-            <a:r>
-              <a:rPr lang="tr-TR" dirty="0" err="1"/>
-              <a:t>Vignelli</a:t>
-            </a:r>
-            <a:endParaRPr lang="tr-TR" dirty="0"/>
-          </a:p>
-        </p:txBody>
-      </p:sp>
+              <a:t>Starbucks logosu, sadece bir sembol ile markayı hemen tanınır hale getirir.</a:t>
+            </a:r>
+          </a:p>
+        </p:txBody>
+      </p:sp>
+      <p:pic>
+        <p:nvPicPr>
+          <p:cNvPr id="6" name="Resim 5">
+            <a:extLst>
+              <a:ext uri="{FF2B5EF4-FFF2-40B4-BE49-F238E27FC236}">
+                <a16:creationId xmlns:a16="http://schemas.microsoft.com/office/drawing/2014/main" id="{54479B6C-A7EE-6F86-634D-F2C4F05D49D9}"/>
+              </a:ext>
+            </a:extLst>
+          </p:cNvPr>
+          <p:cNvPicPr>
+            <a:picLocks noChangeAspect="1"/>
+          </p:cNvPicPr>
+          <p:nvPr/>
+        </p:nvPicPr>
+        <p:blipFill>
+          <a:blip r:embed="rId2">
+            <a:extLst>
+              <a:ext uri="{28A0092B-C50C-407E-A947-70E740481C1C}">
+                <a14:useLocalDpi xmlns:a14="http://schemas.microsoft.com/office/drawing/2010/main" val="0"/>
+              </a:ext>
+            </a:extLst>
+          </a:blip>
+          <a:stretch>
+            <a:fillRect/>
+          </a:stretch>
+        </p:blipFill>
+        <p:spPr>
+          <a:xfrm>
+            <a:off x="4514001" y="3711388"/>
+            <a:ext cx="3163997" cy="3146612"/>
+          </a:xfrm>
+          <a:prstGeom prst="rect">
+            <a:avLst/>
+          </a:prstGeom>
+        </p:spPr>
+      </p:pic>
     </p:spTree>
     <p:extLst>
       <p:ext uri="{BB962C8B-B14F-4D97-AF65-F5344CB8AC3E}">
-        <p14:creationId xmlns:p14="http://schemas.microsoft.com/office/powerpoint/2010/main" val="3172653021"/>
+        <p14:creationId xmlns:p14="http://schemas.microsoft.com/office/powerpoint/2010/main" val="2101904049"/>
       </p:ext>
     </p:extLst>
   </p:cSld>
